--- a/HW03/Report.pptx
+++ b/HW03/Report.pptx
@@ -11,6 +11,8 @@
     <p:sldId id="267" r:id="rId5"/>
     <p:sldId id="268" r:id="rId6"/>
     <p:sldId id="269" r:id="rId7"/>
+    <p:sldId id="270" r:id="rId8"/>
+    <p:sldId id="271" r:id="rId9"/>
   </p:sldIdLst>
   <p:sldSz cx="6858000" cy="9906000" type="A4"/>
   <p:notesSz cx="6858000" cy="9144000"/>
@@ -259,7 +261,7 @@
           <a:p>
             <a:fld id="{F909AD50-48CF-4AF8-990E-A4944ACA76F3}" type="datetimeFigureOut">
               <a:rPr lang="en-IN" smtClean="0"/>
-              <a:t>04-11-2016</a:t>
+              <a:t>17-11-2016</a:t>
             </a:fld>
             <a:endParaRPr lang="en-IN"/>
           </a:p>
@@ -429,7 +431,7 @@
           <a:p>
             <a:fld id="{F909AD50-48CF-4AF8-990E-A4944ACA76F3}" type="datetimeFigureOut">
               <a:rPr lang="en-IN" smtClean="0"/>
-              <a:t>04-11-2016</a:t>
+              <a:t>17-11-2016</a:t>
             </a:fld>
             <a:endParaRPr lang="en-IN"/>
           </a:p>
@@ -609,7 +611,7 @@
           <a:p>
             <a:fld id="{F909AD50-48CF-4AF8-990E-A4944ACA76F3}" type="datetimeFigureOut">
               <a:rPr lang="en-IN" smtClean="0"/>
-              <a:t>04-11-2016</a:t>
+              <a:t>17-11-2016</a:t>
             </a:fld>
             <a:endParaRPr lang="en-IN"/>
           </a:p>
@@ -779,7 +781,7 @@
           <a:p>
             <a:fld id="{F909AD50-48CF-4AF8-990E-A4944ACA76F3}" type="datetimeFigureOut">
               <a:rPr lang="en-IN" smtClean="0"/>
-              <a:t>04-11-2016</a:t>
+              <a:t>17-11-2016</a:t>
             </a:fld>
             <a:endParaRPr lang="en-IN"/>
           </a:p>
@@ -1023,7 +1025,7 @@
           <a:p>
             <a:fld id="{F909AD50-48CF-4AF8-990E-A4944ACA76F3}" type="datetimeFigureOut">
               <a:rPr lang="en-IN" smtClean="0"/>
-              <a:t>04-11-2016</a:t>
+              <a:t>17-11-2016</a:t>
             </a:fld>
             <a:endParaRPr lang="en-IN"/>
           </a:p>
@@ -1255,7 +1257,7 @@
           <a:p>
             <a:fld id="{F909AD50-48CF-4AF8-990E-A4944ACA76F3}" type="datetimeFigureOut">
               <a:rPr lang="en-IN" smtClean="0"/>
-              <a:t>04-11-2016</a:t>
+              <a:t>17-11-2016</a:t>
             </a:fld>
             <a:endParaRPr lang="en-IN"/>
           </a:p>
@@ -1622,7 +1624,7 @@
           <a:p>
             <a:fld id="{F909AD50-48CF-4AF8-990E-A4944ACA76F3}" type="datetimeFigureOut">
               <a:rPr lang="en-IN" smtClean="0"/>
-              <a:t>04-11-2016</a:t>
+              <a:t>17-11-2016</a:t>
             </a:fld>
             <a:endParaRPr lang="en-IN"/>
           </a:p>
@@ -1740,7 +1742,7 @@
           <a:p>
             <a:fld id="{F909AD50-48CF-4AF8-990E-A4944ACA76F3}" type="datetimeFigureOut">
               <a:rPr lang="en-IN" smtClean="0"/>
-              <a:t>04-11-2016</a:t>
+              <a:t>17-11-2016</a:t>
             </a:fld>
             <a:endParaRPr lang="en-IN"/>
           </a:p>
@@ -1835,7 +1837,7 @@
           <a:p>
             <a:fld id="{F909AD50-48CF-4AF8-990E-A4944ACA76F3}" type="datetimeFigureOut">
               <a:rPr lang="en-IN" smtClean="0"/>
-              <a:t>04-11-2016</a:t>
+              <a:t>17-11-2016</a:t>
             </a:fld>
             <a:endParaRPr lang="en-IN"/>
           </a:p>
@@ -2112,7 +2114,7 @@
           <a:p>
             <a:fld id="{F909AD50-48CF-4AF8-990E-A4944ACA76F3}" type="datetimeFigureOut">
               <a:rPr lang="en-IN" smtClean="0"/>
-              <a:t>04-11-2016</a:t>
+              <a:t>17-11-2016</a:t>
             </a:fld>
             <a:endParaRPr lang="en-IN"/>
           </a:p>
@@ -2369,7 +2371,7 @@
           <a:p>
             <a:fld id="{F909AD50-48CF-4AF8-990E-A4944ACA76F3}" type="datetimeFigureOut">
               <a:rPr lang="en-IN" smtClean="0"/>
-              <a:t>04-11-2016</a:t>
+              <a:t>17-11-2016</a:t>
             </a:fld>
             <a:endParaRPr lang="en-IN"/>
           </a:p>
@@ -2582,7 +2584,7 @@
           <a:p>
             <a:fld id="{F909AD50-48CF-4AF8-990E-A4944ACA76F3}" type="datetimeFigureOut">
               <a:rPr lang="en-IN" smtClean="0"/>
-              <a:t>04-11-2016</a:t>
+              <a:t>17-11-2016</a:t>
             </a:fld>
             <a:endParaRPr lang="en-IN"/>
           </a:p>
@@ -3004,11 +3006,7 @@
           <a:p>
             <a:r>
               <a:rPr lang="en-US" altLang="ko-KR" dirty="0" smtClean="0"/>
-              <a:t>EE516 : Homework </a:t>
-            </a:r>
-            <a:r>
-              <a:rPr lang="en-US" altLang="ko-KR" dirty="0" smtClean="0"/>
-              <a:t>3</a:t>
+              <a:t>EE516 : Homework 3</a:t>
             </a:r>
             <a:endParaRPr lang="en-IN" dirty="0"/>
           </a:p>
@@ -3973,11 +3971,7 @@
           <a:p>
             <a:r>
               <a:rPr lang="en-IN" sz="1013" b="1" dirty="0" smtClean="0"/>
-              <a:t>Problem </a:t>
-            </a:r>
-            <a:r>
-              <a:rPr lang="en-IN" sz="1013" b="1" dirty="0" smtClean="0"/>
-              <a:t>2: Make your own program using each red coloured functions</a:t>
+              <a:t>Problem 2: Make your own program using each red coloured functions</a:t>
             </a:r>
           </a:p>
         </p:txBody>
@@ -4745,6 +4739,13 @@
   <p:clrMapOvr>
     <a:masterClrMapping/>
   </p:clrMapOvr>
+  <p:timing>
+    <p:tnLst>
+      <p:par>
+        <p:cTn id="1" dur="indefinite" restart="never" nodeType="tmRoot"/>
+      </p:par>
+    </p:tnLst>
+  </p:timing>
 </p:sld>
 </file>
 
@@ -5183,6 +5184,875 @@
   <p:clrMapOvr>
     <a:masterClrMapping/>
   </p:clrMapOvr>
+  <p:timing>
+    <p:tnLst>
+      <p:par>
+        <p:cTn id="1" dur="indefinite" restart="never" nodeType="tmRoot"/>
+      </p:par>
+    </p:tnLst>
+  </p:timing>
+</p:sld>
+</file>
+
+<file path=ppt/slides/slide7.xml><?xml version="1.0" encoding="utf-8"?>
+<p:sld xmlns:a="http://schemas.openxmlformats.org/drawingml/2006/main" xmlns:r="http://schemas.openxmlformats.org/officeDocument/2006/relationships" xmlns:p="http://schemas.openxmlformats.org/presentationml/2006/main">
+  <p:cSld>
+    <p:spTree>
+      <p:nvGrpSpPr>
+        <p:cNvPr id="1" name=""/>
+        <p:cNvGrpSpPr/>
+        <p:nvPr/>
+      </p:nvGrpSpPr>
+      <p:grpSpPr>
+        <a:xfrm>
+          <a:off x="0" y="0"/>
+          <a:ext cx="0" cy="0"/>
+          <a:chOff x="0" y="0"/>
+          <a:chExt cx="0" cy="0"/>
+        </a:xfrm>
+      </p:grpSpPr>
+      <p:sp>
+        <p:nvSpPr>
+          <p:cNvPr id="4" name="TextBox 3"/>
+          <p:cNvSpPr txBox="1"/>
+          <p:nvPr/>
+        </p:nvSpPr>
+        <p:spPr>
+          <a:xfrm>
+            <a:off x="0" y="0"/>
+            <a:ext cx="6858000" cy="403637"/>
+          </a:xfrm>
+          <a:prstGeom prst="rect">
+            <a:avLst/>
+          </a:prstGeom>
+          <a:noFill/>
+        </p:spPr>
+        <p:txBody>
+          <a:bodyPr wrap="square" rtlCol="0">
+            <a:spAutoFit/>
+          </a:bodyPr>
+          <a:lstStyle/>
+          <a:p>
+            <a:r>
+              <a:rPr lang="en-IN" sz="1013" b="1" dirty="0" smtClean="0"/>
+              <a:t>Problem 3: Explain the following functions</a:t>
+            </a:r>
+          </a:p>
+          <a:p>
+            <a:r>
+              <a:rPr lang="en-IN" altLang="ko-KR" sz="1010" dirty="0" err="1" smtClean="0"/>
+              <a:t>malloc</a:t>
+            </a:r>
+            <a:r>
+              <a:rPr lang="en-IN" altLang="ko-KR" sz="1010" dirty="0" smtClean="0"/>
+              <a:t>(), </a:t>
+            </a:r>
+            <a:r>
+              <a:rPr lang="en-IN" altLang="ko-KR" sz="1010" dirty="0" err="1" smtClean="0"/>
+              <a:t>calloc</a:t>
+            </a:r>
+            <a:r>
+              <a:rPr lang="en-IN" altLang="ko-KR" sz="1010" dirty="0" smtClean="0"/>
+              <a:t>(), </a:t>
+            </a:r>
+            <a:r>
+              <a:rPr lang="en-IN" altLang="ko-KR" sz="1010" dirty="0" err="1" smtClean="0"/>
+              <a:t>realloc</a:t>
+            </a:r>
+            <a:r>
+              <a:rPr lang="en-IN" altLang="ko-KR" sz="1010" dirty="0" smtClean="0"/>
+              <a:t>(), free()</a:t>
+            </a:r>
+            <a:endParaRPr lang="en-IN" altLang="ko-KR" sz="1010" dirty="0"/>
+          </a:p>
+        </p:txBody>
+      </p:sp>
+      <p:sp>
+        <p:nvSpPr>
+          <p:cNvPr id="12" name="TextBox 11"/>
+          <p:cNvSpPr txBox="1"/>
+          <p:nvPr/>
+        </p:nvSpPr>
+        <p:spPr>
+          <a:xfrm>
+            <a:off x="136314" y="403637"/>
+            <a:ext cx="6585372" cy="3693319"/>
+          </a:xfrm>
+          <a:prstGeom prst="rect">
+            <a:avLst/>
+          </a:prstGeom>
+          <a:noFill/>
+        </p:spPr>
+        <p:txBody>
+          <a:bodyPr wrap="square" rtlCol="0">
+            <a:spAutoFit/>
+          </a:bodyPr>
+          <a:lstStyle/>
+          <a:p>
+            <a:r>
+              <a:rPr lang="en-IN" b="1" dirty="0" smtClean="0"/>
+              <a:t>[1] </a:t>
+            </a:r>
+            <a:r>
+              <a:rPr lang="en-IN" b="1" dirty="0" err="1" smtClean="0">
+                <a:solidFill>
+                  <a:srgbClr val="FF0000"/>
+                </a:solidFill>
+              </a:rPr>
+              <a:t>malloc</a:t>
+            </a:r>
+            <a:r>
+              <a:rPr lang="en-IN" b="1" dirty="0" smtClean="0">
+                <a:solidFill>
+                  <a:srgbClr val="FF0000"/>
+                </a:solidFill>
+              </a:rPr>
+              <a:t>()</a:t>
+            </a:r>
+          </a:p>
+          <a:p>
+            <a:r>
+              <a:rPr lang="en-IN" dirty="0"/>
+              <a:t>	</a:t>
+            </a:r>
+            <a:r>
+              <a:rPr lang="en-IN" dirty="0" smtClean="0"/>
+              <a:t>Allocates </a:t>
+            </a:r>
+            <a:r>
+              <a:rPr lang="en-IN" b="1" dirty="0" smtClean="0"/>
+              <a:t>un-initialized memory</a:t>
+            </a:r>
+            <a:r>
+              <a:rPr lang="en-IN" dirty="0" smtClean="0"/>
+              <a:t> for </a:t>
+            </a:r>
+            <a:r>
+              <a:rPr lang="en-IN" b="1" dirty="0" smtClean="0"/>
+              <a:t>given number of bytes</a:t>
+            </a:r>
+          </a:p>
+          <a:p>
+            <a:endParaRPr lang="en-IN" dirty="0"/>
+          </a:p>
+          <a:p>
+            <a:r>
+              <a:rPr lang="en-IN" b="1" dirty="0" smtClean="0"/>
+              <a:t>[2] </a:t>
+            </a:r>
+            <a:r>
+              <a:rPr lang="en-IN" b="1" dirty="0" err="1" smtClean="0">
+                <a:solidFill>
+                  <a:srgbClr val="FF0000"/>
+                </a:solidFill>
+              </a:rPr>
+              <a:t>calloc</a:t>
+            </a:r>
+            <a:r>
+              <a:rPr lang="en-IN" b="1" dirty="0" smtClean="0">
+                <a:solidFill>
+                  <a:srgbClr val="FF0000"/>
+                </a:solidFill>
+              </a:rPr>
+              <a:t>()</a:t>
+            </a:r>
+          </a:p>
+          <a:p>
+            <a:r>
+              <a:rPr lang="en-IN" b="1" dirty="0"/>
+              <a:t>	</a:t>
+            </a:r>
+            <a:r>
+              <a:rPr lang="en-IN" dirty="0" smtClean="0"/>
+              <a:t>Allocates </a:t>
+            </a:r>
+            <a:r>
+              <a:rPr lang="en-IN" b="1" dirty="0" smtClean="0"/>
+              <a:t>initialized (set to zero) memory</a:t>
+            </a:r>
+            <a:r>
+              <a:rPr lang="en-IN" dirty="0" smtClean="0"/>
+              <a:t> for </a:t>
+            </a:r>
+            <a:r>
+              <a:rPr lang="en-IN" b="1" dirty="0" smtClean="0"/>
+              <a:t>given number of elements of specified bytes each</a:t>
+            </a:r>
+          </a:p>
+          <a:p>
+            <a:endParaRPr lang="en-IN" b="1" dirty="0" smtClean="0"/>
+          </a:p>
+          <a:p>
+            <a:r>
+              <a:rPr lang="en-IN" b="1" dirty="0" smtClean="0"/>
+              <a:t>[3] </a:t>
+            </a:r>
+            <a:r>
+              <a:rPr lang="en-IN" b="1" dirty="0" err="1" smtClean="0">
+                <a:solidFill>
+                  <a:srgbClr val="FF0000"/>
+                </a:solidFill>
+              </a:rPr>
+              <a:t>realloc</a:t>
+            </a:r>
+            <a:r>
+              <a:rPr lang="en-IN" b="1" dirty="0" smtClean="0">
+                <a:solidFill>
+                  <a:srgbClr val="FF0000"/>
+                </a:solidFill>
+              </a:rPr>
+              <a:t>()</a:t>
+            </a:r>
+          </a:p>
+          <a:p>
+            <a:r>
+              <a:rPr lang="en-IN" dirty="0"/>
+              <a:t>	</a:t>
+            </a:r>
+            <a:r>
+              <a:rPr lang="en-IN" b="1" dirty="0" smtClean="0"/>
+              <a:t>Changes size of memory block</a:t>
+            </a:r>
+            <a:r>
+              <a:rPr lang="en-IN" dirty="0" smtClean="0"/>
+              <a:t> for given pointer to specified bytes</a:t>
+            </a:r>
+          </a:p>
+          <a:p>
+            <a:endParaRPr lang="en-IN" b="1" dirty="0" smtClean="0"/>
+          </a:p>
+          <a:p>
+            <a:r>
+              <a:rPr lang="en-IN" b="1" dirty="0" smtClean="0"/>
+              <a:t>[4] </a:t>
+            </a:r>
+            <a:r>
+              <a:rPr lang="en-IN" b="1" dirty="0" smtClean="0">
+                <a:solidFill>
+                  <a:srgbClr val="FF0000"/>
+                </a:solidFill>
+              </a:rPr>
+              <a:t>free()</a:t>
+            </a:r>
+          </a:p>
+          <a:p>
+            <a:r>
+              <a:rPr lang="en-IN" dirty="0"/>
+              <a:t>	</a:t>
+            </a:r>
+            <a:r>
+              <a:rPr lang="en-IN" b="1" dirty="0" smtClean="0"/>
+              <a:t>Frees memory</a:t>
+            </a:r>
+            <a:r>
+              <a:rPr lang="en-IN" dirty="0" smtClean="0"/>
+              <a:t> allocated by [1], [2] or [3]</a:t>
+            </a:r>
+          </a:p>
+        </p:txBody>
+      </p:sp>
+      <p:sp>
+        <p:nvSpPr>
+          <p:cNvPr id="5" name="TextBox 4"/>
+          <p:cNvSpPr txBox="1"/>
+          <p:nvPr/>
+        </p:nvSpPr>
+        <p:spPr>
+          <a:xfrm>
+            <a:off x="0" y="8839227"/>
+            <a:ext cx="6858000" cy="248209"/>
+          </a:xfrm>
+          <a:prstGeom prst="rect">
+            <a:avLst/>
+          </a:prstGeom>
+          <a:noFill/>
+        </p:spPr>
+        <p:txBody>
+          <a:bodyPr wrap="square" rtlCol="0">
+            <a:spAutoFit/>
+          </a:bodyPr>
+          <a:lstStyle/>
+          <a:p>
+            <a:r>
+              <a:rPr lang="en-IN" sz="1013" b="1" dirty="0" smtClean="0"/>
+              <a:t>References:</a:t>
+            </a:r>
+          </a:p>
+        </p:txBody>
+      </p:sp>
+      <p:sp>
+        <p:nvSpPr>
+          <p:cNvPr id="6" name="TextBox 5"/>
+          <p:cNvSpPr txBox="1"/>
+          <p:nvPr/>
+        </p:nvSpPr>
+        <p:spPr>
+          <a:xfrm>
+            <a:off x="136314" y="9242864"/>
+            <a:ext cx="6585372" cy="646331"/>
+          </a:xfrm>
+          <a:prstGeom prst="rect">
+            <a:avLst/>
+          </a:prstGeom>
+          <a:noFill/>
+        </p:spPr>
+        <p:txBody>
+          <a:bodyPr wrap="square" rtlCol="0">
+            <a:spAutoFit/>
+          </a:bodyPr>
+          <a:lstStyle/>
+          <a:p>
+            <a:r>
+              <a:rPr lang="en-IN" dirty="0" smtClean="0">
+                <a:hlinkClick r:id="rId2"/>
+              </a:rPr>
+              <a:t>http</a:t>
+            </a:r>
+            <a:r>
+              <a:rPr lang="en-IN" dirty="0">
+                <a:hlinkClick r:id="rId2"/>
+              </a:rPr>
+              <a:t>://</a:t>
+            </a:r>
+            <a:r>
+              <a:rPr lang="en-IN" dirty="0" smtClean="0">
+                <a:hlinkClick r:id="rId2"/>
+              </a:rPr>
+              <a:t>man7.org/linux/man-pages/man3/malloc.3.html</a:t>
+            </a:r>
+            <a:endParaRPr lang="en-IN" dirty="0" smtClean="0"/>
+          </a:p>
+          <a:p>
+            <a:endParaRPr lang="en-IN" dirty="0" smtClean="0"/>
+          </a:p>
+        </p:txBody>
+      </p:sp>
+    </p:spTree>
+    <p:extLst>
+      <p:ext uri="{BB962C8B-B14F-4D97-AF65-F5344CB8AC3E}">
+        <p14:creationId xmlns:p14="http://schemas.microsoft.com/office/powerpoint/2010/main" val="3085846173"/>
+      </p:ext>
+    </p:extLst>
+  </p:cSld>
+  <p:clrMapOvr>
+    <a:masterClrMapping/>
+  </p:clrMapOvr>
+  <p:timing>
+    <p:tnLst>
+      <p:par>
+        <p:cTn id="1" dur="indefinite" restart="never" nodeType="tmRoot"/>
+      </p:par>
+    </p:tnLst>
+  </p:timing>
+</p:sld>
+</file>
+
+<file path=ppt/slides/slide8.xml><?xml version="1.0" encoding="utf-8"?>
+<p:sld xmlns:a="http://schemas.openxmlformats.org/drawingml/2006/main" xmlns:r="http://schemas.openxmlformats.org/officeDocument/2006/relationships" xmlns:p="http://schemas.openxmlformats.org/presentationml/2006/main">
+  <p:cSld>
+    <p:spTree>
+      <p:nvGrpSpPr>
+        <p:cNvPr id="1" name=""/>
+        <p:cNvGrpSpPr/>
+        <p:nvPr/>
+      </p:nvGrpSpPr>
+      <p:grpSpPr>
+        <a:xfrm>
+          <a:off x="0" y="0"/>
+          <a:ext cx="0" cy="0"/>
+          <a:chOff x="0" y="0"/>
+          <a:chExt cx="0" cy="0"/>
+        </a:xfrm>
+      </p:grpSpPr>
+      <p:sp>
+        <p:nvSpPr>
+          <p:cNvPr id="4" name="TextBox 3"/>
+          <p:cNvSpPr txBox="1"/>
+          <p:nvPr/>
+        </p:nvSpPr>
+        <p:spPr>
+          <a:xfrm>
+            <a:off x="0" y="0"/>
+            <a:ext cx="6858000" cy="248209"/>
+          </a:xfrm>
+          <a:prstGeom prst="rect">
+            <a:avLst/>
+          </a:prstGeom>
+          <a:noFill/>
+        </p:spPr>
+        <p:txBody>
+          <a:bodyPr wrap="square" rtlCol="0">
+            <a:spAutoFit/>
+          </a:bodyPr>
+          <a:lstStyle/>
+          <a:p>
+            <a:r>
+              <a:rPr lang="en-IN" sz="1013" b="1" dirty="0" smtClean="0"/>
+              <a:t>Problem 4: Make your own program using </a:t>
+            </a:r>
+            <a:r>
+              <a:rPr lang="en-IN" sz="1013" b="1" dirty="0" err="1" smtClean="0"/>
+              <a:t>malloc</a:t>
+            </a:r>
+            <a:r>
+              <a:rPr lang="en-IN" sz="1013" b="1" dirty="0" smtClean="0"/>
+              <a:t>(), </a:t>
+            </a:r>
+            <a:r>
+              <a:rPr lang="en-IN" sz="1013" b="1" dirty="0" err="1" smtClean="0"/>
+              <a:t>calloc</a:t>
+            </a:r>
+            <a:r>
+              <a:rPr lang="en-IN" sz="1013" b="1" dirty="0" smtClean="0"/>
+              <a:t>(), </a:t>
+            </a:r>
+            <a:r>
+              <a:rPr lang="en-IN" sz="1013" b="1" dirty="0" err="1" smtClean="0"/>
+              <a:t>realloc</a:t>
+            </a:r>
+            <a:r>
+              <a:rPr lang="en-IN" sz="1013" b="1" dirty="0" smtClean="0"/>
+              <a:t>() &amp; free()</a:t>
+            </a:r>
+          </a:p>
+        </p:txBody>
+      </p:sp>
+      <p:pic>
+        <p:nvPicPr>
+          <p:cNvPr id="7" name="Picture 6"/>
+          <p:cNvPicPr>
+            <a:picLocks noChangeAspect="1"/>
+          </p:cNvPicPr>
+          <p:nvPr/>
+        </p:nvPicPr>
+        <p:blipFill>
+          <a:blip r:embed="rId2"/>
+          <a:stretch>
+            <a:fillRect/>
+          </a:stretch>
+        </p:blipFill>
+        <p:spPr>
+          <a:xfrm>
+            <a:off x="5772094" y="0"/>
+            <a:ext cx="1085906" cy="812842"/>
+          </a:xfrm>
+          <a:prstGeom prst="rect">
+            <a:avLst/>
+          </a:prstGeom>
+        </p:spPr>
+      </p:pic>
+      <p:pic>
+        <p:nvPicPr>
+          <p:cNvPr id="12" name="Picture 11"/>
+          <p:cNvPicPr>
+            <a:picLocks noChangeAspect="1"/>
+          </p:cNvPicPr>
+          <p:nvPr/>
+        </p:nvPicPr>
+        <p:blipFill>
+          <a:blip r:embed="rId3"/>
+          <a:stretch>
+            <a:fillRect/>
+          </a:stretch>
+        </p:blipFill>
+        <p:spPr>
+          <a:xfrm>
+            <a:off x="1781090" y="248209"/>
+            <a:ext cx="3295819" cy="1358970"/>
+          </a:xfrm>
+          <a:prstGeom prst="rect">
+            <a:avLst/>
+          </a:prstGeom>
+        </p:spPr>
+      </p:pic>
+      <p:pic>
+        <p:nvPicPr>
+          <p:cNvPr id="15" name="Picture 14"/>
+          <p:cNvPicPr>
+            <a:picLocks noChangeAspect="1"/>
+          </p:cNvPicPr>
+          <p:nvPr/>
+        </p:nvPicPr>
+        <p:blipFill>
+          <a:blip r:embed="rId4"/>
+          <a:stretch>
+            <a:fillRect/>
+          </a:stretch>
+        </p:blipFill>
+        <p:spPr>
+          <a:xfrm>
+            <a:off x="123708" y="1707048"/>
+            <a:ext cx="3618560" cy="1329984"/>
+          </a:xfrm>
+          <a:prstGeom prst="rect">
+            <a:avLst/>
+          </a:prstGeom>
+        </p:spPr>
+      </p:pic>
+      <p:sp>
+        <p:nvSpPr>
+          <p:cNvPr id="16" name="TextBox 15"/>
+          <p:cNvSpPr txBox="1"/>
+          <p:nvPr/>
+        </p:nvSpPr>
+        <p:spPr>
+          <a:xfrm>
+            <a:off x="123706" y="3059681"/>
+            <a:ext cx="6581893" cy="1169551"/>
+          </a:xfrm>
+          <a:prstGeom prst="rect">
+            <a:avLst/>
+          </a:prstGeom>
+          <a:noFill/>
+        </p:spPr>
+        <p:txBody>
+          <a:bodyPr wrap="square" rtlCol="0">
+            <a:spAutoFit/>
+          </a:bodyPr>
+          <a:lstStyle/>
+          <a:p>
+            <a:pPr algn="just"/>
+            <a:r>
+              <a:rPr lang="en-IN" sz="1400" dirty="0" smtClean="0"/>
+              <a:t>Notice that allocated size is &gt; requested size. This depends on implementation of </a:t>
+            </a:r>
+            <a:r>
+              <a:rPr lang="en-IN" sz="1400" dirty="0" err="1" smtClean="0"/>
+              <a:t>malloc</a:t>
+            </a:r>
+            <a:r>
+              <a:rPr lang="en-IN" sz="1400" dirty="0" smtClean="0"/>
+              <a:t>() or any other memory allocator. However, as a programmer, we should only utilize requested size of memory. Also observe that although hex dump of allocated memory is initialized to ‘zero’ in this case, it may not hold true always. </a:t>
+            </a:r>
+            <a:r>
+              <a:rPr lang="en-IN" sz="1400" dirty="0"/>
+              <a:t>Reference: </a:t>
+            </a:r>
+            <a:r>
+              <a:rPr lang="en-IN" sz="1400" dirty="0">
+                <a:hlinkClick r:id="rId5"/>
+              </a:rPr>
+              <a:t>http://</a:t>
+            </a:r>
+            <a:r>
+              <a:rPr lang="en-IN" sz="1400" dirty="0" smtClean="0">
+                <a:hlinkClick r:id="rId5"/>
+              </a:rPr>
+              <a:t>stackoverflow.com/a/8029624</a:t>
+            </a:r>
+            <a:endParaRPr lang="en-IN" sz="1400" dirty="0"/>
+          </a:p>
+        </p:txBody>
+      </p:sp>
+      <p:pic>
+        <p:nvPicPr>
+          <p:cNvPr id="17" name="Picture 16"/>
+          <p:cNvPicPr>
+            <a:picLocks noChangeAspect="1"/>
+          </p:cNvPicPr>
+          <p:nvPr/>
+        </p:nvPicPr>
+        <p:blipFill>
+          <a:blip r:embed="rId6"/>
+          <a:stretch>
+            <a:fillRect/>
+          </a:stretch>
+        </p:blipFill>
+        <p:spPr>
+          <a:xfrm>
+            <a:off x="2791770" y="4312069"/>
+            <a:ext cx="3947702" cy="1451841"/>
+          </a:xfrm>
+          <a:prstGeom prst="rect">
+            <a:avLst/>
+          </a:prstGeom>
+        </p:spPr>
+      </p:pic>
+      <p:sp>
+        <p:nvSpPr>
+          <p:cNvPr id="18" name="TextBox 17"/>
+          <p:cNvSpPr txBox="1"/>
+          <p:nvPr/>
+        </p:nvSpPr>
+        <p:spPr>
+          <a:xfrm>
+            <a:off x="157579" y="5779082"/>
+            <a:ext cx="6581893" cy="307777"/>
+          </a:xfrm>
+          <a:prstGeom prst="rect">
+            <a:avLst/>
+          </a:prstGeom>
+          <a:noFill/>
+        </p:spPr>
+        <p:txBody>
+          <a:bodyPr wrap="square" rtlCol="0">
+            <a:spAutoFit/>
+          </a:bodyPr>
+          <a:lstStyle/>
+          <a:p>
+            <a:pPr algn="just"/>
+            <a:r>
+              <a:rPr lang="en-IN" sz="1400" dirty="0" smtClean="0"/>
+              <a:t>In case of </a:t>
+            </a:r>
+            <a:r>
+              <a:rPr lang="en-IN" sz="1400" dirty="0" err="1" smtClean="0"/>
+              <a:t>calloc</a:t>
+            </a:r>
+            <a:r>
+              <a:rPr lang="en-IN" sz="1400" dirty="0" smtClean="0"/>
+              <a:t>(), allocated memory is always initialized to ‘zero’.</a:t>
+            </a:r>
+            <a:endParaRPr lang="en-IN" sz="1400" dirty="0"/>
+          </a:p>
+        </p:txBody>
+      </p:sp>
+      <p:pic>
+        <p:nvPicPr>
+          <p:cNvPr id="19" name="Picture 18"/>
+          <p:cNvPicPr>
+            <a:picLocks noChangeAspect="1"/>
+          </p:cNvPicPr>
+          <p:nvPr/>
+        </p:nvPicPr>
+        <p:blipFill>
+          <a:blip r:embed="rId7"/>
+          <a:stretch>
+            <a:fillRect/>
+          </a:stretch>
+        </p:blipFill>
+        <p:spPr>
+          <a:xfrm>
+            <a:off x="123705" y="6203413"/>
+            <a:ext cx="2994639" cy="1128716"/>
+          </a:xfrm>
+          <a:prstGeom prst="rect">
+            <a:avLst/>
+          </a:prstGeom>
+        </p:spPr>
+      </p:pic>
+      <p:pic>
+        <p:nvPicPr>
+          <p:cNvPr id="20" name="Picture 19"/>
+          <p:cNvPicPr>
+            <a:picLocks noChangeAspect="1"/>
+          </p:cNvPicPr>
+          <p:nvPr/>
+        </p:nvPicPr>
+        <p:blipFill>
+          <a:blip r:embed="rId8"/>
+          <a:stretch>
+            <a:fillRect/>
+          </a:stretch>
+        </p:blipFill>
+        <p:spPr>
+          <a:xfrm>
+            <a:off x="1579488" y="7473416"/>
+            <a:ext cx="2814705" cy="1192371"/>
+          </a:xfrm>
+          <a:prstGeom prst="rect">
+            <a:avLst/>
+          </a:prstGeom>
+        </p:spPr>
+      </p:pic>
+      <p:pic>
+        <p:nvPicPr>
+          <p:cNvPr id="21" name="Picture 20"/>
+          <p:cNvPicPr>
+            <a:picLocks noChangeAspect="1"/>
+          </p:cNvPicPr>
+          <p:nvPr/>
+        </p:nvPicPr>
+        <p:blipFill>
+          <a:blip r:embed="rId9"/>
+          <a:stretch>
+            <a:fillRect/>
+          </a:stretch>
+        </p:blipFill>
+        <p:spPr>
+          <a:xfrm>
+            <a:off x="1579489" y="8706362"/>
+            <a:ext cx="2814705" cy="1105939"/>
+          </a:xfrm>
+          <a:prstGeom prst="rect">
+            <a:avLst/>
+          </a:prstGeom>
+        </p:spPr>
+      </p:pic>
+      <p:cxnSp>
+        <p:nvCxnSpPr>
+          <p:cNvPr id="25" name="Elbow Connector 24"/>
+          <p:cNvCxnSpPr>
+            <a:endCxn id="20" idx="1"/>
+          </p:cNvCxnSpPr>
+          <p:nvPr/>
+        </p:nvCxnSpPr>
+        <p:spPr>
+          <a:xfrm rot="16200000" flipH="1">
+            <a:off x="865508" y="7355621"/>
+            <a:ext cx="737473" cy="690488"/>
+          </a:xfrm>
+          <a:prstGeom prst="bentConnector2">
+            <a:avLst/>
+          </a:prstGeom>
+          <a:ln>
+            <a:tailEnd type="triangle"/>
+          </a:ln>
+        </p:spPr>
+        <p:style>
+          <a:lnRef idx="3">
+            <a:schemeClr val="accent4"/>
+          </a:lnRef>
+          <a:fillRef idx="0">
+            <a:schemeClr val="accent4"/>
+          </a:fillRef>
+          <a:effectRef idx="2">
+            <a:schemeClr val="accent4"/>
+          </a:effectRef>
+          <a:fontRef idx="minor">
+            <a:schemeClr val="tx1"/>
+          </a:fontRef>
+        </p:style>
+      </p:cxnSp>
+      <p:cxnSp>
+        <p:nvCxnSpPr>
+          <p:cNvPr id="29" name="Elbow Connector 28"/>
+          <p:cNvCxnSpPr>
+            <a:endCxn id="21" idx="1"/>
+          </p:cNvCxnSpPr>
+          <p:nvPr/>
+        </p:nvCxnSpPr>
+        <p:spPr>
+          <a:xfrm rot="16200000" flipH="1">
+            <a:off x="270642" y="7950485"/>
+            <a:ext cx="1927204" cy="690489"/>
+          </a:xfrm>
+          <a:prstGeom prst="bentConnector2">
+            <a:avLst/>
+          </a:prstGeom>
+          <a:ln>
+            <a:tailEnd type="triangle"/>
+          </a:ln>
+        </p:spPr>
+        <p:style>
+          <a:lnRef idx="3">
+            <a:schemeClr val="accent4"/>
+          </a:lnRef>
+          <a:fillRef idx="0">
+            <a:schemeClr val="accent4"/>
+          </a:fillRef>
+          <a:effectRef idx="2">
+            <a:schemeClr val="accent4"/>
+          </a:effectRef>
+          <a:fontRef idx="minor">
+            <a:schemeClr val="tx1"/>
+          </a:fontRef>
+        </p:style>
+      </p:cxnSp>
+      <p:sp>
+        <p:nvSpPr>
+          <p:cNvPr id="30" name="Rectangle 29"/>
+          <p:cNvSpPr/>
+          <p:nvPr/>
+        </p:nvSpPr>
+        <p:spPr>
+          <a:xfrm>
+            <a:off x="3204116" y="8442960"/>
+            <a:ext cx="443324" cy="162790"/>
+          </a:xfrm>
+          <a:prstGeom prst="rect">
+            <a:avLst/>
+          </a:prstGeom>
+          <a:noFill/>
+          <a:ln cmpd="sng">
+            <a:solidFill>
+              <a:srgbClr val="FFFF00"/>
+            </a:solidFill>
+            <a:prstDash val="solid"/>
+            <a:round/>
+          </a:ln>
+        </p:spPr>
+        <p:style>
+          <a:lnRef idx="2">
+            <a:schemeClr val="accent1">
+              <a:shade val="50000"/>
+            </a:schemeClr>
+          </a:lnRef>
+          <a:fillRef idx="1">
+            <a:schemeClr val="accent1"/>
+          </a:fillRef>
+          <a:effectRef idx="0">
+            <a:schemeClr val="accent1"/>
+          </a:effectRef>
+          <a:fontRef idx="minor">
+            <a:schemeClr val="lt1"/>
+          </a:fontRef>
+        </p:style>
+        <p:txBody>
+          <a:bodyPr rtlCol="0" anchor="ctr"/>
+          <a:lstStyle/>
+          <a:p>
+            <a:pPr algn="ctr"/>
+            <a:endParaRPr lang="en-IN"/>
+          </a:p>
+        </p:txBody>
+      </p:sp>
+      <p:sp>
+        <p:nvSpPr>
+          <p:cNvPr id="31" name="TextBox 30"/>
+          <p:cNvSpPr txBox="1"/>
+          <p:nvPr/>
+        </p:nvSpPr>
+        <p:spPr>
+          <a:xfrm>
+            <a:off x="4394193" y="8100915"/>
+            <a:ext cx="2463807" cy="954107"/>
+          </a:xfrm>
+          <a:prstGeom prst="rect">
+            <a:avLst/>
+          </a:prstGeom>
+          <a:noFill/>
+        </p:spPr>
+        <p:txBody>
+          <a:bodyPr wrap="square" rtlCol="0">
+            <a:spAutoFit/>
+          </a:bodyPr>
+          <a:lstStyle/>
+          <a:p>
+            <a:pPr algn="just"/>
+            <a:r>
+              <a:rPr lang="en-IN" sz="1400" dirty="0" smtClean="0"/>
+              <a:t>Notice that </a:t>
+            </a:r>
+            <a:r>
+              <a:rPr lang="en-IN" sz="1400" dirty="0" err="1" smtClean="0"/>
+              <a:t>realloc</a:t>
+            </a:r>
+            <a:r>
+              <a:rPr lang="en-IN" sz="1400" dirty="0" smtClean="0"/>
+              <a:t>() doesn’t initialize memory. It simply increases or decreases an already allocated memory.</a:t>
+            </a:r>
+            <a:endParaRPr lang="en-IN" sz="1400" dirty="0"/>
+          </a:p>
+        </p:txBody>
+      </p:sp>
+    </p:spTree>
+    <p:extLst>
+      <p:ext uri="{BB962C8B-B14F-4D97-AF65-F5344CB8AC3E}">
+        <p14:creationId xmlns:p14="http://schemas.microsoft.com/office/powerpoint/2010/main" val="3004206844"/>
+      </p:ext>
+    </p:extLst>
+  </p:cSld>
+  <p:clrMapOvr>
+    <a:masterClrMapping/>
+  </p:clrMapOvr>
+  <p:timing>
+    <p:tnLst>
+      <p:par>
+        <p:cTn id="1" dur="indefinite" restart="never" nodeType="tmRoot"/>
+      </p:par>
+    </p:tnLst>
+  </p:timing>
 </p:sld>
 </file>
 
